--- a/sensor_platform_introduction.pptx
+++ b/sensor_platform_introduction.pptx
@@ -7,6 +7,10 @@
   <p:sldIdLst>
     <p:sldId id="256" r:id="rId2"/>
     <p:sldId id="257" r:id="rId3"/>
+    <p:sldId id="258" r:id="rId4"/>
+    <p:sldId id="259" r:id="rId5"/>
+    <p:sldId id="260" r:id="rId6"/>
+    <p:sldId id="261" r:id="rId7"/>
   </p:sldIdLst>
   <p:sldSz cx="12192000" cy="6858000"/>
   <p:notesSz cx="6858000" cy="9144000"/>
@@ -105,6 +109,11 @@
       </a:defRPr>
     </a:lvl9pPr>
   </p:defaultTextStyle>
+  <p:extLst>
+    <p:ext uri="{EFAFB233-063F-42B5-8137-9DF3F51BA10A}">
+      <p15:sldGuideLst xmlns:p15="http://schemas.microsoft.com/office/powerpoint/2012/main"/>
+    </p:ext>
+  </p:extLst>
 </p:presentation>
 </file>
 
@@ -984,7 +993,7 @@
       <dgm:spPr/>
     </dgm:pt>
     <dgm:pt modelId="{21F3CF10-8369-449E-B9DB-8A2BA4B461FD}" type="pres">
-      <dgm:prSet presAssocID="{5002C4A4-580E-4DA9-AAE3-2AA36B74929B}" presName="text" presStyleLbl="fgAcc0" presStyleIdx="0" presStyleCnt="2" custLinFactNeighborY="-1420">
+      <dgm:prSet presAssocID="{5002C4A4-580E-4DA9-AAE3-2AA36B74929B}" presName="text" presStyleLbl="fgAcc0" presStyleIdx="0" presStyleCnt="2" custScaleY="64103" custLinFactNeighborY="-1420">
         <dgm:presLayoutVars>
           <dgm:chPref val="3"/>
         </dgm:presLayoutVars>
@@ -1008,7 +1017,7 @@
       <dgm:spPr/>
     </dgm:pt>
     <dgm:pt modelId="{680F1A45-195F-41B9-BA1D-B45272FA5E7E}" type="pres">
-      <dgm:prSet presAssocID="{BB23A7B2-F849-4AC6-A62C-D8539B90A8CA}" presName="text" presStyleLbl="fgAcc0" presStyleIdx="1" presStyleCnt="2">
+      <dgm:prSet presAssocID="{BB23A7B2-F849-4AC6-A62C-D8539B90A8CA}" presName="text" presStyleLbl="fgAcc0" presStyleIdx="1" presStyleCnt="2" custScaleY="64103" custLinFactNeighborX="-1030" custLinFactNeighborY="-478">
         <dgm:presLayoutVars>
           <dgm:chPref val="3"/>
         </dgm:presLayoutVars>
@@ -1062,8 +1071,8 @@
       </dsp:nvSpPr>
       <dsp:spPr>
         <a:xfrm>
-          <a:off x="1283" y="466723"/>
-          <a:ext cx="4505585" cy="2861046"/>
+          <a:off x="1185" y="846838"/>
+          <a:ext cx="4161775" cy="1694067"/>
         </a:xfrm>
         <a:prstGeom prst="roundRect">
           <a:avLst>
@@ -1114,8 +1123,8 @@
       </dsp:nvSpPr>
       <dsp:spPr>
         <a:xfrm>
-          <a:off x="501904" y="942313"/>
-          <a:ext cx="4505585" cy="2861046"/>
+          <a:off x="463605" y="1286136"/>
+          <a:ext cx="4161775" cy="1694067"/>
         </a:xfrm>
         <a:prstGeom prst="roundRect">
           <a:avLst>
@@ -1158,12 +1167,12 @@
         <a:fontRef idx="minor"/>
       </dsp:style>
       <dsp:txBody>
-        <a:bodyPr spcFirstLastPara="0" vert="horz" wrap="square" lIns="121920" tIns="121920" rIns="121920" bIns="121920" numCol="1" spcCol="1270" anchor="ctr" anchorCtr="0">
+        <a:bodyPr spcFirstLastPara="0" vert="horz" wrap="square" lIns="87630" tIns="87630" rIns="87630" bIns="87630" numCol="1" spcCol="1270" anchor="ctr" anchorCtr="0">
           <a:noAutofit/>
         </a:bodyPr>
         <a:lstStyle/>
         <a:p>
-          <a:pPr marL="0" lvl="0" indent="0" algn="ctr" defTabSz="1422400">
+          <a:pPr marL="0" lvl="0" indent="0" algn="ctr" defTabSz="1022350">
             <a:lnSpc>
               <a:spcPct val="90000"/>
             </a:lnSpc>
@@ -1176,13 +1185,13 @@
             <a:buNone/>
           </a:pPr>
           <a:r>
-            <a:rPr lang="en-GB" sz="3200" kern="1200" dirty="0" err="1"/>
+            <a:rPr lang="en-GB" sz="2300" kern="1200" dirty="0" err="1"/>
             <a:t>Respeck</a:t>
           </a:r>
-          <a:endParaRPr lang="en-GB" sz="3200" kern="1200" dirty="0"/>
+          <a:endParaRPr lang="en-GB" sz="2300" kern="1200" dirty="0"/>
         </a:p>
         <a:p>
-          <a:pPr marL="0" lvl="0" indent="0" algn="ctr" defTabSz="1422400">
+          <a:pPr marL="0" lvl="0" indent="0" algn="ctr" defTabSz="1022350">
             <a:lnSpc>
               <a:spcPct val="90000"/>
             </a:lnSpc>
@@ -1195,14 +1204,14 @@
             <a:buNone/>
           </a:pPr>
           <a:r>
-            <a:rPr lang="en-GB" sz="3200" kern="1200" dirty="0"/>
+            <a:rPr lang="en-GB" sz="2300" kern="1200" dirty="0"/>
             <a:t>A custom-designed platform to collect human activity and respiratory data</a:t>
           </a:r>
         </a:p>
       </dsp:txBody>
       <dsp:txXfrm>
-        <a:off x="585701" y="1026110"/>
-        <a:ext cx="4337991" cy="2693452"/>
+        <a:off x="513223" y="1335754"/>
+        <a:ext cx="4062539" cy="1594831"/>
       </dsp:txXfrm>
     </dsp:sp>
     <dsp:sp modelId="{507587A3-EA99-4637-A1D4-668E82744A42}">
@@ -1212,8 +1221,8 @@
       </dsp:nvSpPr>
       <dsp:spPr>
         <a:xfrm>
-          <a:off x="5508110" y="507350"/>
-          <a:ext cx="4505585" cy="2861046"/>
+          <a:off x="5044933" y="871732"/>
+          <a:ext cx="4161775" cy="1694067"/>
         </a:xfrm>
         <a:prstGeom prst="roundRect">
           <a:avLst>
@@ -1264,8 +1273,8 @@
       </dsp:nvSpPr>
       <dsp:spPr>
         <a:xfrm>
-          <a:off x="6008730" y="982940"/>
-          <a:ext cx="4505585" cy="2861046"/>
+          <a:off x="5507353" y="1311031"/>
+          <a:ext cx="4161775" cy="1694067"/>
         </a:xfrm>
         <a:prstGeom prst="roundRect">
           <a:avLst>
@@ -1308,12 +1317,12 @@
         <a:fontRef idx="minor"/>
       </dsp:style>
       <dsp:txBody>
-        <a:bodyPr spcFirstLastPara="0" vert="horz" wrap="square" lIns="121920" tIns="121920" rIns="121920" bIns="121920" numCol="1" spcCol="1270" anchor="ctr" anchorCtr="0">
+        <a:bodyPr spcFirstLastPara="0" vert="horz" wrap="square" lIns="87630" tIns="87630" rIns="87630" bIns="87630" numCol="1" spcCol="1270" anchor="ctr" anchorCtr="0">
           <a:noAutofit/>
         </a:bodyPr>
         <a:lstStyle/>
         <a:p>
-          <a:pPr marL="0" lvl="0" indent="0" algn="ctr" defTabSz="1422400">
+          <a:pPr marL="0" lvl="0" indent="0" algn="ctr" defTabSz="1022350">
             <a:lnSpc>
               <a:spcPct val="90000"/>
             </a:lnSpc>
@@ -1326,12 +1335,12 @@
             <a:buNone/>
           </a:pPr>
           <a:r>
-            <a:rPr lang="en-GB" sz="3200" kern="1200" dirty="0"/>
+            <a:rPr lang="en-GB" sz="2300" kern="1200" dirty="0"/>
             <a:t>Thingy</a:t>
           </a:r>
         </a:p>
         <a:p>
-          <a:pPr marL="0" lvl="0" indent="0" algn="ctr" defTabSz="1422400">
+          <a:pPr marL="0" lvl="0" indent="0" algn="ctr" defTabSz="1022350">
             <a:lnSpc>
               <a:spcPct val="90000"/>
             </a:lnSpc>
@@ -1344,19 +1353,19 @@
             <a:buNone/>
           </a:pPr>
           <a:r>
-            <a:rPr lang="en-GB" sz="3200" kern="1200" dirty="0"/>
+            <a:rPr lang="en-GB" sz="2300" kern="1200" dirty="0"/>
             <a:t>A prototyping platform made by Nordic </a:t>
           </a:r>
           <a:r>
-            <a:rPr lang="en-GB" sz="3200" kern="1200" dirty="0" err="1"/>
+            <a:rPr lang="en-GB" sz="2300" kern="1200" dirty="0" err="1"/>
             <a:t>Seniconductor</a:t>
           </a:r>
-          <a:endParaRPr lang="en-US" sz="3200" kern="1200" dirty="0"/>
+          <a:endParaRPr lang="en-US" sz="2300" kern="1200" dirty="0"/>
         </a:p>
       </dsp:txBody>
       <dsp:txXfrm>
-        <a:off x="6092527" y="1066737"/>
-        <a:ext cx="4337991" cy="2693452"/>
+        <a:off x="5556971" y="1360649"/>
+        <a:ext cx="4062539" cy="1594831"/>
       </dsp:txXfrm>
     </dsp:sp>
   </dsp:spTree>
@@ -6181,6 +6190,14 @@
 <file path=ppt/slides/slide1.xml><?xml version="1.0" encoding="utf-8"?>
 <p:sld xmlns:a="http://schemas.openxmlformats.org/drawingml/2006/main" xmlns:r="http://schemas.openxmlformats.org/officeDocument/2006/relationships" xmlns:p="http://schemas.openxmlformats.org/presentationml/2006/main">
   <p:cSld>
+    <p:bg>
+      <p:bgPr>
+        <a:solidFill>
+          <a:schemeClr val="bg1"/>
+        </a:solidFill>
+        <a:effectLst/>
+      </p:bgPr>
+    </p:bg>
     <p:spTree>
       <p:nvGrpSpPr>
         <p:cNvPr id="1" name=""/>
@@ -6195,6 +6212,66 @@
           <a:chExt cx="0" cy="0"/>
         </a:xfrm>
       </p:grpSpPr>
+      <p:sp useBgFill="1">
+        <p:nvSpPr>
+          <p:cNvPr id="8" name="Rectangle 7">
+            <a:extLst>
+              <a:ext uri="{FF2B5EF4-FFF2-40B4-BE49-F238E27FC236}">
+                <a16:creationId xmlns:a16="http://schemas.microsoft.com/office/drawing/2014/main" id="{BAD76F3E-3A97-486B-B402-44400A8B9173}"/>
+              </a:ext>
+              <a:ext uri="{C183D7F6-B498-43B3-948B-1728B52AA6E4}">
+                <adec:decorative xmlns:adec="http://schemas.microsoft.com/office/drawing/2017/decorative" val="1"/>
+              </a:ext>
+            </a:extLst>
+          </p:cNvPr>
+          <p:cNvSpPr>
+            <a:spLocks noGrp="1" noRot="1" noChangeAspect="1" noMove="1" noResize="1" noEditPoints="1" noAdjustHandles="1" noChangeArrowheads="1" noChangeShapeType="1" noTextEdit="1"/>
+          </p:cNvSpPr>
+          <p:nvPr>
+            <p:extLst>
+              <p:ext uri="{386F3935-93C4-4BCD-93E2-E3B085C9AB24}">
+                <p16:designElem xmlns:p16="http://schemas.microsoft.com/office/powerpoint/2015/main" val="1"/>
+              </p:ext>
+            </p:extLst>
+          </p:nvPr>
+        </p:nvSpPr>
+        <p:spPr>
+          <a:xfrm>
+            <a:off x="0" y="0"/>
+            <a:ext cx="12192000" cy="6858000"/>
+          </a:xfrm>
+          <a:prstGeom prst="rect">
+            <a:avLst/>
+          </a:prstGeom>
+          <a:ln>
+            <a:noFill/>
+          </a:ln>
+        </p:spPr>
+        <p:style>
+          <a:lnRef idx="2">
+            <a:schemeClr val="accent1">
+              <a:shade val="50000"/>
+            </a:schemeClr>
+          </a:lnRef>
+          <a:fillRef idx="1">
+            <a:schemeClr val="accent1"/>
+          </a:fillRef>
+          <a:effectRef idx="0">
+            <a:schemeClr val="accent1"/>
+          </a:effectRef>
+          <a:fontRef idx="minor">
+            <a:schemeClr val="lt1"/>
+          </a:fontRef>
+        </p:style>
+        <p:txBody>
+          <a:bodyPr rtlCol="0" anchor="ctr"/>
+          <a:lstStyle/>
+          <a:p>
+            <a:pPr algn="ctr"/>
+            <a:endParaRPr lang="en-US"/>
+          </a:p>
+        </p:txBody>
+      </p:sp>
       <p:sp>
         <p:nvSpPr>
           <p:cNvPr id="2" name="Title 1">
@@ -6211,13 +6288,21 @@
             <p:ph type="ctrTitle"/>
           </p:nvPr>
         </p:nvSpPr>
-        <p:spPr/>
-        <p:txBody>
-          <a:bodyPr/>
+        <p:spPr>
+          <a:xfrm>
+            <a:off x="838199" y="1093788"/>
+            <a:ext cx="10506455" cy="2967208"/>
+          </a:xfrm>
+        </p:spPr>
+        <p:txBody>
+          <a:bodyPr>
+            <a:normAutofit/>
+          </a:bodyPr>
           <a:lstStyle/>
           <a:p>
-            <a:r>
-              <a:rPr lang="en-GB" dirty="0"/>
+            <a:pPr algn="l"/>
+            <a:r>
+              <a:rPr lang="en-GB" sz="8000" dirty="0"/>
               <a:t>PDIoT 2023</a:t>
             </a:r>
           </a:p>
@@ -6239,15 +6324,184 @@
             <p:ph type="subTitle" idx="1"/>
           </p:nvPr>
         </p:nvSpPr>
-        <p:spPr/>
-        <p:txBody>
-          <a:bodyPr/>
+        <p:spPr>
+          <a:xfrm>
+            <a:off x="7400924" y="4619624"/>
+            <a:ext cx="3946779" cy="1038225"/>
+          </a:xfrm>
+        </p:spPr>
+        <p:txBody>
+          <a:bodyPr>
+            <a:normAutofit/>
+          </a:bodyPr>
           <a:lstStyle/>
           <a:p>
-            <a:r>
-              <a:rPr lang="en-GB" dirty="0"/>
-              <a:t>Introduction to IMU sensors</a:t>
-            </a:r>
+            <a:pPr algn="r"/>
+            <a:r>
+              <a:rPr lang="en-GB" sz="2200" dirty="0"/>
+              <a:t>Introduction to Sensor Platforms for Human Activity Recognition</a:t>
+            </a:r>
+          </a:p>
+        </p:txBody>
+      </p:sp>
+      <p:sp>
+        <p:nvSpPr>
+          <p:cNvPr id="10" name="Rectangle 9">
+            <a:extLst>
+              <a:ext uri="{FF2B5EF4-FFF2-40B4-BE49-F238E27FC236}">
+                <a16:creationId xmlns:a16="http://schemas.microsoft.com/office/drawing/2014/main" id="{391F6B52-91F4-4AEB-B6DB-29FEBCF28C8B}"/>
+              </a:ext>
+              <a:ext uri="{C183D7F6-B498-43B3-948B-1728B52AA6E4}">
+                <adec:decorative xmlns:adec="http://schemas.microsoft.com/office/drawing/2017/decorative" val="1"/>
+              </a:ext>
+            </a:extLst>
+          </p:cNvPr>
+          <p:cNvSpPr>
+            <a:spLocks noGrp="1" noRot="1" noChangeAspect="1" noMove="1" noResize="1" noEditPoints="1" noAdjustHandles="1" noChangeArrowheads="1" noChangeShapeType="1" noTextEdit="1"/>
+          </p:cNvSpPr>
+          <p:nvPr>
+            <p:extLst>
+              <p:ext uri="{386F3935-93C4-4BCD-93E2-E3B085C9AB24}">
+                <p16:designElem xmlns:p16="http://schemas.microsoft.com/office/powerpoint/2015/main" val="1"/>
+              </p:ext>
+            </p:extLst>
+          </p:nvPr>
+        </p:nvSpPr>
+        <p:spPr>
+          <a:xfrm>
+            <a:off x="841248" y="4331166"/>
+            <a:ext cx="10506456" cy="18288"/>
+          </a:xfrm>
+          <a:prstGeom prst="rect">
+            <a:avLst/>
+          </a:prstGeom>
+          <a:solidFill>
+            <a:srgbClr val="D5D5D5"/>
+          </a:solidFill>
+          <a:ln w="3175">
+            <a:noFill/>
+          </a:ln>
+          <a:effectLst/>
+        </p:spPr>
+        <p:style>
+          <a:lnRef idx="2">
+            <a:schemeClr val="accent1">
+              <a:shade val="50000"/>
+            </a:schemeClr>
+          </a:lnRef>
+          <a:fillRef idx="1">
+            <a:schemeClr val="accent1"/>
+          </a:fillRef>
+          <a:effectRef idx="0">
+            <a:schemeClr val="accent1"/>
+          </a:effectRef>
+          <a:fontRef idx="minor">
+            <a:schemeClr val="lt1"/>
+          </a:fontRef>
+        </p:style>
+        <p:txBody>
+          <a:bodyPr rtlCol="0" anchor="ctr"/>
+          <a:lstStyle/>
+          <a:p>
+            <a:pPr algn="ctr"/>
+            <a:endParaRPr lang="en-US">
+              <a:solidFill>
+                <a:prstClr val="white"/>
+              </a:solidFill>
+              <a:latin typeface="Calibri" panose="020F0502020204030204"/>
+            </a:endParaRPr>
+          </a:p>
+        </p:txBody>
+      </p:sp>
+      <p:sp>
+        <p:nvSpPr>
+          <p:cNvPr id="12" name="Rectangle 11">
+            <a:extLst>
+              <a:ext uri="{FF2B5EF4-FFF2-40B4-BE49-F238E27FC236}">
+                <a16:creationId xmlns:a16="http://schemas.microsoft.com/office/drawing/2014/main" id="{2CD6F061-7C53-44F4-9794-953DB70A451B}"/>
+              </a:ext>
+              <a:ext uri="{C183D7F6-B498-43B3-948B-1728B52AA6E4}">
+                <adec:decorative xmlns:adec="http://schemas.microsoft.com/office/drawing/2017/decorative" val="1"/>
+              </a:ext>
+            </a:extLst>
+          </p:cNvPr>
+          <p:cNvSpPr>
+            <a:spLocks noGrp="1" noRot="1" noChangeAspect="1" noMove="1" noResize="1" noEditPoints="1" noAdjustHandles="1" noChangeArrowheads="1" noChangeShapeType="1" noTextEdit="1"/>
+          </p:cNvSpPr>
+          <p:nvPr>
+            <p:extLst>
+              <p:ext uri="{386F3935-93C4-4BCD-93E2-E3B085C9AB24}">
+                <p16:designElem xmlns:p16="http://schemas.microsoft.com/office/powerpoint/2015/main" val="1"/>
+              </p:ext>
+            </p:extLst>
+          </p:nvPr>
+        </p:nvSpPr>
+        <p:spPr>
+          <a:xfrm rot="5400000">
+            <a:off x="9346882" y="2348839"/>
+            <a:ext cx="54864" cy="3946779"/>
+          </a:xfrm>
+          <a:prstGeom prst="rect">
+            <a:avLst/>
+          </a:prstGeom>
+          <a:solidFill>
+            <a:schemeClr val="accent2"/>
+          </a:solidFill>
+          <a:ln>
+            <a:noFill/>
+          </a:ln>
+        </p:spPr>
+        <p:style>
+          <a:lnRef idx="2">
+            <a:schemeClr val="accent1">
+              <a:shade val="50000"/>
+            </a:schemeClr>
+          </a:lnRef>
+          <a:fillRef idx="1">
+            <a:schemeClr val="accent1"/>
+          </a:fillRef>
+          <a:effectRef idx="0">
+            <a:schemeClr val="accent1"/>
+          </a:effectRef>
+          <a:fontRef idx="minor">
+            <a:schemeClr val="lt1"/>
+          </a:fontRef>
+        </p:style>
+        <p:txBody>
+          <a:bodyPr rtlCol="0" anchor="ctr"/>
+          <a:lstStyle/>
+          <a:p>
+            <a:pPr marL="0" marR="0" lvl="0" indent="0" algn="ctr" defTabSz="914400" rtl="0" eaLnBrk="1" fontAlgn="auto" latinLnBrk="0" hangingPunct="1">
+              <a:lnSpc>
+                <a:spcPct val="100000"/>
+              </a:lnSpc>
+              <a:spcBef>
+                <a:spcPts val="0"/>
+              </a:spcBef>
+              <a:spcAft>
+                <a:spcPts val="0"/>
+              </a:spcAft>
+              <a:buClrTx/>
+              <a:buSzTx/>
+              <a:buFontTx/>
+              <a:buNone/>
+              <a:tabLst/>
+              <a:defRPr/>
+            </a:pPr>
+            <a:endParaRPr kumimoji="0" lang="en-US" sz="1800" b="0" i="0" u="none" strike="noStrike" kern="1200" cap="none" spc="0" normalizeH="0" baseline="0" noProof="0">
+              <a:ln>
+                <a:noFill/>
+              </a:ln>
+              <a:solidFill>
+                <a:prstClr val="white"/>
+              </a:solidFill>
+              <a:effectLst/>
+              <a:uLnTx/>
+              <a:uFillTx/>
+              <a:latin typeface="Calibri" panose="020F0502020204030204"/>
+              <a:ea typeface="+mn-ea"/>
+              <a:cs typeface="+mn-cs"/>
+            </a:endParaRPr>
           </a:p>
         </p:txBody>
       </p:sp>
@@ -6325,14 +6579,14 @@
             <p:ph idx="1"/>
             <p:extLst>
               <p:ext uri="{D42A27DB-BD31-4B8C-83A1-F6EECF244321}">
-                <p14:modId xmlns:p14="http://schemas.microsoft.com/office/powerpoint/2010/main" val="3813801689"/>
+                <p14:modId xmlns:p14="http://schemas.microsoft.com/office/powerpoint/2010/main" val="3511163026"/>
               </p:ext>
             </p:extLst>
           </p:nvPr>
         </p:nvGraphicFramePr>
         <p:xfrm>
-          <a:off x="838200" y="1377569"/>
-          <a:ext cx="10515600" cy="4351338"/>
+          <a:off x="838200" y="940248"/>
+          <a:ext cx="9713181" cy="3902096"/>
         </p:xfrm>
         <a:graphic>
           <a:graphicData uri="http://schemas.openxmlformats.org/drawingml/2006/diagram">
@@ -6354,7 +6608,7 @@
         </p:nvSpPr>
         <p:spPr>
           <a:xfrm>
-            <a:off x="1527048" y="5728907"/>
+            <a:off x="645758" y="5846544"/>
             <a:ext cx="9855006" cy="646331"/>
           </a:xfrm>
           <a:prstGeom prst="rect">
@@ -6381,10 +6635,721 @@
           </a:p>
         </p:txBody>
       </p:sp>
+      <p:pic>
+        <p:nvPicPr>
+          <p:cNvPr id="6" name="Picture 5">
+            <a:extLst>
+              <a:ext uri="{FF2B5EF4-FFF2-40B4-BE49-F238E27FC236}">
+                <a16:creationId xmlns:a16="http://schemas.microsoft.com/office/drawing/2014/main" id="{328BC018-9A9E-A0D1-C8B9-4F7D0CEC3E3B}"/>
+              </a:ext>
+            </a:extLst>
+          </p:cNvPr>
+          <p:cNvPicPr>
+            <a:picLocks noChangeAspect="1"/>
+          </p:cNvPicPr>
+          <p:nvPr/>
+        </p:nvPicPr>
+        <p:blipFill>
+          <a:blip r:embed="rId7"/>
+          <a:stretch>
+            <a:fillRect/>
+          </a:stretch>
+        </p:blipFill>
+        <p:spPr>
+          <a:xfrm>
+            <a:off x="7800480" y="4199234"/>
+            <a:ext cx="1240156" cy="1286219"/>
+          </a:xfrm>
+          <a:prstGeom prst="rect">
+            <a:avLst/>
+          </a:prstGeom>
+        </p:spPr>
+      </p:pic>
+      <p:pic>
+        <p:nvPicPr>
+          <p:cNvPr id="8" name="Picture 7">
+            <a:extLst>
+              <a:ext uri="{FF2B5EF4-FFF2-40B4-BE49-F238E27FC236}">
+                <a16:creationId xmlns:a16="http://schemas.microsoft.com/office/drawing/2014/main" id="{A7F7E6E2-F17B-B41E-A1DC-4A9FB268EF70}"/>
+              </a:ext>
+            </a:extLst>
+          </p:cNvPr>
+          <p:cNvPicPr>
+            <a:picLocks noChangeAspect="1"/>
+          </p:cNvPicPr>
+          <p:nvPr/>
+        </p:nvPicPr>
+        <p:blipFill>
+          <a:blip r:embed="rId8"/>
+          <a:stretch>
+            <a:fillRect/>
+          </a:stretch>
+        </p:blipFill>
+        <p:spPr>
+          <a:xfrm>
+            <a:off x="2505061" y="4170401"/>
+            <a:ext cx="1645522" cy="1321501"/>
+          </a:xfrm>
+          <a:prstGeom prst="rect">
+            <a:avLst/>
+          </a:prstGeom>
+        </p:spPr>
+      </p:pic>
     </p:spTree>
     <p:extLst>
       <p:ext uri="{BB962C8B-B14F-4D97-AF65-F5344CB8AC3E}">
         <p14:creationId xmlns:p14="http://schemas.microsoft.com/office/powerpoint/2010/main" val="1315359264"/>
+      </p:ext>
+    </p:extLst>
+  </p:cSld>
+  <p:clrMapOvr>
+    <a:masterClrMapping/>
+  </p:clrMapOvr>
+</p:sld>
+</file>
+
+<file path=ppt/slides/slide3.xml><?xml version="1.0" encoding="utf-8"?>
+<p:sld xmlns:a="http://schemas.openxmlformats.org/drawingml/2006/main" xmlns:r="http://schemas.openxmlformats.org/officeDocument/2006/relationships" xmlns:p="http://schemas.openxmlformats.org/presentationml/2006/main">
+  <p:cSld>
+    <p:spTree>
+      <p:nvGrpSpPr>
+        <p:cNvPr id="1" name=""/>
+        <p:cNvGrpSpPr/>
+        <p:nvPr/>
+      </p:nvGrpSpPr>
+      <p:grpSpPr>
+        <a:xfrm>
+          <a:off x="0" y="0"/>
+          <a:ext cx="0" cy="0"/>
+          <a:chOff x="0" y="0"/>
+          <a:chExt cx="0" cy="0"/>
+        </a:xfrm>
+      </p:grpSpPr>
+      <p:sp>
+        <p:nvSpPr>
+          <p:cNvPr id="2" name="Title 1">
+            <a:extLst>
+              <a:ext uri="{FF2B5EF4-FFF2-40B4-BE49-F238E27FC236}">
+                <a16:creationId xmlns:a16="http://schemas.microsoft.com/office/drawing/2014/main" id="{C5E9BBD6-5E74-3528-B46A-4034342215AA}"/>
+              </a:ext>
+            </a:extLst>
+          </p:cNvPr>
+          <p:cNvSpPr>
+            <a:spLocks noGrp="1"/>
+          </p:cNvSpPr>
+          <p:nvPr>
+            <p:ph type="title"/>
+          </p:nvPr>
+        </p:nvSpPr>
+        <p:spPr/>
+        <p:txBody>
+          <a:bodyPr/>
+          <a:lstStyle/>
+          <a:p>
+            <a:r>
+              <a:rPr lang="en-GB"/>
+              <a:t>IMU Sensors</a:t>
+            </a:r>
+            <a:endParaRPr lang="en-GB" dirty="0"/>
+          </a:p>
+        </p:txBody>
+      </p:sp>
+      <p:sp>
+        <p:nvSpPr>
+          <p:cNvPr id="3" name="Content Placeholder 2">
+            <a:extLst>
+              <a:ext uri="{FF2B5EF4-FFF2-40B4-BE49-F238E27FC236}">
+                <a16:creationId xmlns:a16="http://schemas.microsoft.com/office/drawing/2014/main" id="{644368E5-FEDA-858B-7AFA-D0AE2ED7FD60}"/>
+              </a:ext>
+            </a:extLst>
+          </p:cNvPr>
+          <p:cNvSpPr>
+            <a:spLocks noGrp="1"/>
+          </p:cNvSpPr>
+          <p:nvPr>
+            <p:ph idx="1"/>
+          </p:nvPr>
+        </p:nvSpPr>
+        <p:spPr/>
+        <p:txBody>
+          <a:bodyPr>
+            <a:normAutofit fontScale="92500" lnSpcReduction="20000"/>
+          </a:bodyPr>
+          <a:lstStyle/>
+          <a:p>
+            <a:r>
+              <a:rPr lang="en-GB"/>
+              <a:t>Both platforms include an Invensense inertial measurement unit (IMU)</a:t>
+            </a:r>
+          </a:p>
+          <a:p>
+            <a:pPr lvl="1"/>
+            <a:r>
+              <a:rPr lang="en-GB"/>
+              <a:t>3 axis gyroscope</a:t>
+            </a:r>
+          </a:p>
+          <a:p>
+            <a:pPr lvl="2"/>
+            <a:r>
+              <a:rPr lang="en-GB"/>
+              <a:t>Measures rotational rate</a:t>
+            </a:r>
+          </a:p>
+          <a:p>
+            <a:pPr lvl="2"/>
+            <a:r>
+              <a:rPr lang="en-GB"/>
+              <a:t>High power consumption</a:t>
+            </a:r>
+          </a:p>
+          <a:p>
+            <a:pPr lvl="2"/>
+            <a:r>
+              <a:rPr lang="en-GB"/>
+              <a:t>Cannot detect linear motion</a:t>
+            </a:r>
+          </a:p>
+          <a:p>
+            <a:pPr lvl="2"/>
+            <a:r>
+              <a:rPr lang="en-GB"/>
+              <a:t>Reacts quickly to changes in orientation</a:t>
+            </a:r>
+          </a:p>
+          <a:p>
+            <a:pPr lvl="1"/>
+            <a:r>
+              <a:rPr lang="en-GB"/>
+              <a:t>3 axis accelerometer</a:t>
+            </a:r>
+          </a:p>
+          <a:p>
+            <a:pPr lvl="2"/>
+            <a:r>
+              <a:rPr lang="en-GB"/>
+              <a:t>Measures linear acceleration and the direction of gravity</a:t>
+            </a:r>
+          </a:p>
+          <a:p>
+            <a:pPr lvl="2"/>
+            <a:r>
+              <a:rPr lang="en-GB"/>
+              <a:t>Low power consumption</a:t>
+            </a:r>
+          </a:p>
+          <a:p>
+            <a:pPr lvl="2"/>
+            <a:r>
+              <a:rPr lang="en-GB"/>
+              <a:t>Useful for determining static orientation</a:t>
+            </a:r>
+          </a:p>
+          <a:p>
+            <a:pPr lvl="2"/>
+            <a:r>
+              <a:rPr lang="en-GB"/>
+              <a:t>Rotation can be detected by tracking changes to the direction of gravity</a:t>
+            </a:r>
+          </a:p>
+          <a:p>
+            <a:pPr lvl="1"/>
+            <a:r>
+              <a:rPr lang="en-GB"/>
+              <a:t>3 axis magnetometer</a:t>
+            </a:r>
+          </a:p>
+          <a:p>
+            <a:pPr lvl="2"/>
+            <a:r>
+              <a:rPr lang="en-GB"/>
+              <a:t>Measures the magnetic field strength and direction</a:t>
+            </a:r>
+          </a:p>
+          <a:p>
+            <a:pPr lvl="2"/>
+            <a:r>
+              <a:rPr lang="en-GB"/>
+              <a:t>Not recommended to use for PDIoT as the magnetic field will be crazy in the lab!</a:t>
+            </a:r>
+            <a:endParaRPr lang="en-GB" dirty="0"/>
+          </a:p>
+        </p:txBody>
+      </p:sp>
+    </p:spTree>
+    <p:extLst>
+      <p:ext uri="{BB962C8B-B14F-4D97-AF65-F5344CB8AC3E}">
+        <p14:creationId xmlns:p14="http://schemas.microsoft.com/office/powerpoint/2010/main" val="2041769390"/>
+      </p:ext>
+    </p:extLst>
+  </p:cSld>
+  <p:clrMapOvr>
+    <a:masterClrMapping/>
+  </p:clrMapOvr>
+</p:sld>
+</file>
+
+<file path=ppt/slides/slide4.xml><?xml version="1.0" encoding="utf-8"?>
+<p:sld xmlns:a="http://schemas.openxmlformats.org/drawingml/2006/main" xmlns:r="http://schemas.openxmlformats.org/officeDocument/2006/relationships" xmlns:p="http://schemas.openxmlformats.org/presentationml/2006/main">
+  <p:cSld>
+    <p:spTree>
+      <p:nvGrpSpPr>
+        <p:cNvPr id="1" name=""/>
+        <p:cNvGrpSpPr/>
+        <p:nvPr/>
+      </p:nvGrpSpPr>
+      <p:grpSpPr>
+        <a:xfrm>
+          <a:off x="0" y="0"/>
+          <a:ext cx="0" cy="0"/>
+          <a:chOff x="0" y="0"/>
+          <a:chExt cx="0" cy="0"/>
+        </a:xfrm>
+      </p:grpSpPr>
+      <p:sp>
+        <p:nvSpPr>
+          <p:cNvPr id="2" name="Title 1">
+            <a:extLst>
+              <a:ext uri="{FF2B5EF4-FFF2-40B4-BE49-F238E27FC236}">
+                <a16:creationId xmlns:a16="http://schemas.microsoft.com/office/drawing/2014/main" id="{D75424EB-BCB4-BCB4-422E-22ECE9553BC0}"/>
+              </a:ext>
+            </a:extLst>
+          </p:cNvPr>
+          <p:cNvSpPr>
+            <a:spLocks noGrp="1"/>
+          </p:cNvSpPr>
+          <p:nvPr>
+            <p:ph type="title"/>
+          </p:nvPr>
+        </p:nvSpPr>
+        <p:spPr/>
+        <p:txBody>
+          <a:bodyPr/>
+          <a:lstStyle/>
+          <a:p>
+            <a:r>
+              <a:rPr lang="en-GB"/>
+              <a:t>Bluetooth Low Energy (BLE)</a:t>
+            </a:r>
+            <a:endParaRPr lang="en-GB" dirty="0"/>
+          </a:p>
+        </p:txBody>
+      </p:sp>
+      <p:sp>
+        <p:nvSpPr>
+          <p:cNvPr id="3" name="Content Placeholder 2">
+            <a:extLst>
+              <a:ext uri="{FF2B5EF4-FFF2-40B4-BE49-F238E27FC236}">
+                <a16:creationId xmlns:a16="http://schemas.microsoft.com/office/drawing/2014/main" id="{F6650F7C-7617-4BFC-3D00-C97A28680CBC}"/>
+              </a:ext>
+            </a:extLst>
+          </p:cNvPr>
+          <p:cNvSpPr>
+            <a:spLocks noGrp="1"/>
+          </p:cNvSpPr>
+          <p:nvPr>
+            <p:ph idx="1"/>
+          </p:nvPr>
+        </p:nvSpPr>
+        <p:spPr/>
+        <p:txBody>
+          <a:bodyPr>
+            <a:normAutofit fontScale="92500" lnSpcReduction="10000"/>
+          </a:bodyPr>
+          <a:lstStyle/>
+          <a:p>
+            <a:r>
+              <a:rPr lang="en-GB"/>
+              <a:t>You can read data from the sensors using BLE</a:t>
+            </a:r>
+          </a:p>
+          <a:p>
+            <a:r>
+              <a:rPr lang="en-GB"/>
+              <a:t>BLE devices expose services, which contain characteristics</a:t>
+            </a:r>
+          </a:p>
+          <a:p>
+            <a:pPr lvl="1"/>
+            <a:r>
+              <a:rPr lang="en-GB"/>
+              <a:t>Read characteristics to obtain single sensor readings</a:t>
+            </a:r>
+          </a:p>
+          <a:p>
+            <a:pPr lvl="2"/>
+            <a:r>
+              <a:rPr lang="en-GB"/>
+              <a:t>e.g. battery level</a:t>
+            </a:r>
+          </a:p>
+          <a:p>
+            <a:pPr lvl="1"/>
+            <a:r>
+              <a:rPr lang="en-GB"/>
+              <a:t>Notify characteristics to stream data</a:t>
+            </a:r>
+          </a:p>
+          <a:p>
+            <a:pPr lvl="2"/>
+            <a:r>
+              <a:rPr lang="en-GB"/>
+              <a:t>e.g. IMU data</a:t>
+            </a:r>
+          </a:p>
+          <a:p>
+            <a:pPr lvl="1"/>
+            <a:r>
+              <a:rPr lang="en-GB"/>
+              <a:t>Write to characteristics to configure the sensor platform</a:t>
+            </a:r>
+          </a:p>
+          <a:p>
+            <a:pPr lvl="2"/>
+            <a:r>
+              <a:rPr lang="en-GB"/>
+              <a:t>e.g. switch individual sensors on or off</a:t>
+            </a:r>
+          </a:p>
+          <a:p>
+            <a:pPr lvl="2"/>
+            <a:r>
+              <a:rPr lang="en-GB"/>
+              <a:t>control an LED</a:t>
+            </a:r>
+          </a:p>
+          <a:p>
+            <a:r>
+              <a:rPr lang="en-GB"/>
+              <a:t>BLE can send and receive single bytes or a byte array in each transmission</a:t>
+            </a:r>
+          </a:p>
+          <a:p>
+            <a:pPr lvl="1"/>
+            <a:r>
+              <a:rPr lang="en-GB"/>
+              <a:t>By using a custom packet format, we can send complex data</a:t>
+            </a:r>
+          </a:p>
+          <a:p>
+            <a:pPr lvl="2"/>
+            <a:r>
+              <a:rPr lang="en-GB"/>
+              <a:t>E.g. {timestamp, accel_x, accel_y, accel_z, gyro_x, gyro_y, gyro_x, battery_level}</a:t>
+            </a:r>
+            <a:endParaRPr lang="en-GB" dirty="0"/>
+          </a:p>
+        </p:txBody>
+      </p:sp>
+    </p:spTree>
+    <p:extLst>
+      <p:ext uri="{BB962C8B-B14F-4D97-AF65-F5344CB8AC3E}">
+        <p14:creationId xmlns:p14="http://schemas.microsoft.com/office/powerpoint/2010/main" val="2635493602"/>
+      </p:ext>
+    </p:extLst>
+  </p:cSld>
+  <p:clrMapOvr>
+    <a:masterClrMapping/>
+  </p:clrMapOvr>
+</p:sld>
+</file>
+
+<file path=ppt/slides/slide5.xml><?xml version="1.0" encoding="utf-8"?>
+<p:sld xmlns:a="http://schemas.openxmlformats.org/drawingml/2006/main" xmlns:r="http://schemas.openxmlformats.org/officeDocument/2006/relationships" xmlns:p="http://schemas.openxmlformats.org/presentationml/2006/main">
+  <p:cSld>
+    <p:spTree>
+      <p:nvGrpSpPr>
+        <p:cNvPr id="1" name=""/>
+        <p:cNvGrpSpPr/>
+        <p:nvPr/>
+      </p:nvGrpSpPr>
+      <p:grpSpPr>
+        <a:xfrm>
+          <a:off x="0" y="0"/>
+          <a:ext cx="0" cy="0"/>
+          <a:chOff x="0" y="0"/>
+          <a:chExt cx="0" cy="0"/>
+        </a:xfrm>
+      </p:grpSpPr>
+      <p:sp>
+        <p:nvSpPr>
+          <p:cNvPr id="2" name="Title 1">
+            <a:extLst>
+              <a:ext uri="{FF2B5EF4-FFF2-40B4-BE49-F238E27FC236}">
+                <a16:creationId xmlns:a16="http://schemas.microsoft.com/office/drawing/2014/main" id="{50802ACA-0EF8-8E09-8916-2A5ADEB6D22A}"/>
+              </a:ext>
+            </a:extLst>
+          </p:cNvPr>
+          <p:cNvSpPr>
+            <a:spLocks noGrp="1"/>
+          </p:cNvSpPr>
+          <p:nvPr>
+            <p:ph type="title"/>
+          </p:nvPr>
+        </p:nvSpPr>
+        <p:spPr/>
+        <p:txBody>
+          <a:bodyPr/>
+          <a:lstStyle/>
+          <a:p>
+            <a:r>
+              <a:rPr lang="en-GB" dirty="0"/>
+              <a:t>Android App</a:t>
+            </a:r>
+          </a:p>
+        </p:txBody>
+      </p:sp>
+      <p:sp>
+        <p:nvSpPr>
+          <p:cNvPr id="3" name="Content Placeholder 2">
+            <a:extLst>
+              <a:ext uri="{FF2B5EF4-FFF2-40B4-BE49-F238E27FC236}">
+                <a16:creationId xmlns:a16="http://schemas.microsoft.com/office/drawing/2014/main" id="{DD188535-1D76-E031-1FF6-FDBA266E9CFC}"/>
+              </a:ext>
+            </a:extLst>
+          </p:cNvPr>
+          <p:cNvSpPr>
+            <a:spLocks noGrp="1"/>
+          </p:cNvSpPr>
+          <p:nvPr>
+            <p:ph idx="1"/>
+          </p:nvPr>
+        </p:nvSpPr>
+        <p:spPr>
+          <a:xfrm>
+            <a:off x="838200" y="1825625"/>
+            <a:ext cx="5483087" cy="4351338"/>
+          </a:xfrm>
+        </p:spPr>
+        <p:txBody>
+          <a:bodyPr>
+            <a:normAutofit fontScale="92500" lnSpcReduction="20000"/>
+          </a:bodyPr>
+          <a:lstStyle/>
+          <a:p>
+            <a:r>
+              <a:rPr lang="en-GB" dirty="0"/>
+              <a:t>The Nordic NRF Connect app is a good starting point to learn about communicating with BLE devices on Android</a:t>
+            </a:r>
+          </a:p>
+          <a:p>
+            <a:r>
+              <a:rPr lang="en-GB" dirty="0"/>
+              <a:t>The Thingy has a supporting app, which allows you to configure the sensor platform</a:t>
+            </a:r>
+          </a:p>
+          <a:p>
+            <a:r>
+              <a:rPr lang="en-GB" dirty="0"/>
+              <a:t>We will provide a data collection app for Coursework 1, which will store data in CSV files for later analysis</a:t>
+            </a:r>
+          </a:p>
+          <a:p>
+            <a:r>
+              <a:rPr lang="en-GB" dirty="0"/>
+              <a:t>During Coursework 3 you will extend this to perform Human Activity Recognition in real-time</a:t>
+            </a:r>
+          </a:p>
+        </p:txBody>
+      </p:sp>
+      <p:pic>
+        <p:nvPicPr>
+          <p:cNvPr id="5" name="Picture 4">
+            <a:extLst>
+              <a:ext uri="{FF2B5EF4-FFF2-40B4-BE49-F238E27FC236}">
+                <a16:creationId xmlns:a16="http://schemas.microsoft.com/office/drawing/2014/main" id="{6FC0D4A4-5E7A-74E3-E35E-FF4DF70D6E36}"/>
+              </a:ext>
+            </a:extLst>
+          </p:cNvPr>
+          <p:cNvPicPr>
+            <a:picLocks noChangeAspect="1"/>
+          </p:cNvPicPr>
+          <p:nvPr/>
+        </p:nvPicPr>
+        <p:blipFill>
+          <a:blip r:embed="rId2"/>
+          <a:stretch>
+            <a:fillRect/>
+          </a:stretch>
+        </p:blipFill>
+        <p:spPr>
+          <a:xfrm>
+            <a:off x="9024726" y="0"/>
+            <a:ext cx="3151367" cy="6827962"/>
+          </a:xfrm>
+          <a:prstGeom prst="rect">
+            <a:avLst/>
+          </a:prstGeom>
+        </p:spPr>
+      </p:pic>
+    </p:spTree>
+    <p:extLst>
+      <p:ext uri="{BB962C8B-B14F-4D97-AF65-F5344CB8AC3E}">
+        <p14:creationId xmlns:p14="http://schemas.microsoft.com/office/powerpoint/2010/main" val="4012974550"/>
+      </p:ext>
+    </p:extLst>
+  </p:cSld>
+  <p:clrMapOvr>
+    <a:masterClrMapping/>
+  </p:clrMapOvr>
+</p:sld>
+</file>
+
+<file path=ppt/slides/slide6.xml><?xml version="1.0" encoding="utf-8"?>
+<p:sld xmlns:a="http://schemas.openxmlformats.org/drawingml/2006/main" xmlns:r="http://schemas.openxmlformats.org/officeDocument/2006/relationships" xmlns:p="http://schemas.openxmlformats.org/presentationml/2006/main">
+  <p:cSld>
+    <p:spTree>
+      <p:nvGrpSpPr>
+        <p:cNvPr id="1" name=""/>
+        <p:cNvGrpSpPr/>
+        <p:nvPr/>
+      </p:nvGrpSpPr>
+      <p:grpSpPr>
+        <a:xfrm>
+          <a:off x="0" y="0"/>
+          <a:ext cx="0" cy="0"/>
+          <a:chOff x="0" y="0"/>
+          <a:chExt cx="0" cy="0"/>
+        </a:xfrm>
+      </p:grpSpPr>
+      <p:sp>
+        <p:nvSpPr>
+          <p:cNvPr id="2" name="Title 1">
+            <a:extLst>
+              <a:ext uri="{FF2B5EF4-FFF2-40B4-BE49-F238E27FC236}">
+                <a16:creationId xmlns:a16="http://schemas.microsoft.com/office/drawing/2014/main" id="{AD490771-069A-CC0A-E769-CA4E60BB1C41}"/>
+              </a:ext>
+            </a:extLst>
+          </p:cNvPr>
+          <p:cNvSpPr>
+            <a:spLocks noGrp="1"/>
+          </p:cNvSpPr>
+          <p:nvPr>
+            <p:ph type="title"/>
+          </p:nvPr>
+        </p:nvSpPr>
+        <p:spPr/>
+        <p:txBody>
+          <a:bodyPr/>
+          <a:lstStyle/>
+          <a:p>
+            <a:r>
+              <a:rPr lang="en-GB" dirty="0"/>
+              <a:t>IMU Data Analysis</a:t>
+            </a:r>
+          </a:p>
+        </p:txBody>
+      </p:sp>
+      <p:pic>
+        <p:nvPicPr>
+          <p:cNvPr id="1026" name="Picture 2">
+            <a:extLst>
+              <a:ext uri="{FF2B5EF4-FFF2-40B4-BE49-F238E27FC236}">
+                <a16:creationId xmlns:a16="http://schemas.microsoft.com/office/drawing/2014/main" id="{51E5DF83-D3CB-4483-79F6-141678D60376}"/>
+              </a:ext>
+            </a:extLst>
+          </p:cNvPr>
+          <p:cNvPicPr>
+            <a:picLocks noChangeAspect="1" noChangeArrowheads="1"/>
+          </p:cNvPicPr>
+          <p:nvPr/>
+        </p:nvPicPr>
+        <p:blipFill>
+          <a:blip r:embed="rId2">
+            <a:extLst>
+              <a:ext uri="{28A0092B-C50C-407E-A947-70E740481C1C}">
+                <a14:useLocalDpi xmlns:a14="http://schemas.microsoft.com/office/drawing/2010/main" val="0"/>
+              </a:ext>
+            </a:extLst>
+          </a:blip>
+          <a:srcRect/>
+          <a:stretch>
+            <a:fillRect/>
+          </a:stretch>
+        </p:blipFill>
+        <p:spPr bwMode="auto">
+          <a:xfrm>
+            <a:off x="0" y="2582944"/>
+            <a:ext cx="12192000" cy="4275054"/>
+          </a:xfrm>
+          <a:prstGeom prst="rect">
+            <a:avLst/>
+          </a:prstGeom>
+          <a:noFill/>
+          <a:extLst>
+            <a:ext uri="{909E8E84-426E-40DD-AFC4-6F175D3DCCD1}">
+              <a14:hiddenFill xmlns:a14="http://schemas.microsoft.com/office/drawing/2010/main">
+                <a:solidFill>
+                  <a:srgbClr val="FFFFFF"/>
+                </a:solidFill>
+              </a14:hiddenFill>
+            </a:ext>
+          </a:extLst>
+        </p:spPr>
+      </p:pic>
+      <p:sp>
+        <p:nvSpPr>
+          <p:cNvPr id="6" name="TextBox 5">
+            <a:extLst>
+              <a:ext uri="{FF2B5EF4-FFF2-40B4-BE49-F238E27FC236}">
+                <a16:creationId xmlns:a16="http://schemas.microsoft.com/office/drawing/2014/main" id="{6B46C705-0D5F-B2E9-EA1C-7C72B200188A}"/>
+              </a:ext>
+            </a:extLst>
+          </p:cNvPr>
+          <p:cNvSpPr txBox="1"/>
+          <p:nvPr/>
+        </p:nvSpPr>
+        <p:spPr>
+          <a:xfrm>
+            <a:off x="1055802" y="1564849"/>
+            <a:ext cx="6211252" cy="923330"/>
+          </a:xfrm>
+          <a:prstGeom prst="rect">
+            <a:avLst/>
+          </a:prstGeom>
+          <a:noFill/>
+        </p:spPr>
+        <p:txBody>
+          <a:bodyPr wrap="none" rtlCol="0">
+            <a:spAutoFit/>
+          </a:bodyPr>
+          <a:lstStyle/>
+          <a:p>
+            <a:pPr marL="285750" indent="-285750">
+              <a:buFont typeface="Arial" panose="020B0604020202020204" pitchFamily="34" charset="0"/>
+              <a:buChar char="•"/>
+            </a:pPr>
+            <a:r>
+              <a:rPr lang="en-GB" dirty="0"/>
+              <a:t>Accelerometer and gyroscope data are often complimentary</a:t>
+            </a:r>
+          </a:p>
+          <a:p>
+            <a:pPr marL="285750" indent="-285750">
+              <a:buFont typeface="Arial" panose="020B0604020202020204" pitchFamily="34" charset="0"/>
+              <a:buChar char="•"/>
+            </a:pPr>
+            <a:r>
+              <a:rPr lang="en-GB" dirty="0"/>
+              <a:t>Position of accelerometer lines useful to detect posture</a:t>
+            </a:r>
+          </a:p>
+          <a:p>
+            <a:pPr marL="285750" indent="-285750">
+              <a:buFont typeface="Arial" panose="020B0604020202020204" pitchFamily="34" charset="0"/>
+              <a:buChar char="•"/>
+            </a:pPr>
+            <a:r>
+              <a:rPr lang="en-GB" dirty="0"/>
+              <a:t>Gyroscope provides cleanest respiratory signal</a:t>
+            </a:r>
+          </a:p>
+        </p:txBody>
+      </p:sp>
+    </p:spTree>
+    <p:extLst>
+      <p:ext uri="{BB962C8B-B14F-4D97-AF65-F5344CB8AC3E}">
+        <p14:creationId xmlns:p14="http://schemas.microsoft.com/office/powerpoint/2010/main" val="136240630"/>
       </p:ext>
     </p:extLst>
   </p:cSld>
